--- a/ayudantias/ayudantia03/A04.pptx
+++ b/ayudantias/ayudantia03/A04.pptx
@@ -9,6 +9,7 @@
     <p:sldId id="257" r:id="rId3"/>
     <p:sldId id="258" r:id="rId4"/>
     <p:sldId id="260" r:id="rId5"/>
+    <p:sldId id="259" r:id="rId6"/>
   </p:sldIdLst>
   <p:sldSz cx="12192000" cy="6858000"/>
   <p:notesSz cx="6858000" cy="9144000"/>
@@ -3839,7 +3840,7 @@
             </a:r>
             <a:r>
               <a:rPr lang="en-US" dirty="0"/>
-              <a:t> 4 – D3.js</a:t>
+              <a:t> 3 – D3.js</a:t>
             </a:r>
           </a:p>
         </p:txBody>
@@ -5263,6 +5264,457 @@
 </p:sld>
 </file>
 
+<file path=ppt/slides/slide5.xml><?xml version="1.0" encoding="utf-8"?>
+<p:sld xmlns:a="http://schemas.openxmlformats.org/drawingml/2006/main" xmlns:r="http://schemas.openxmlformats.org/officeDocument/2006/relationships" xmlns:p="http://schemas.openxmlformats.org/presentationml/2006/main" show="0">
+  <p:cSld>
+    <p:spTree>
+      <p:nvGrpSpPr>
+        <p:cNvPr id="1" name=""/>
+        <p:cNvGrpSpPr/>
+        <p:nvPr/>
+      </p:nvGrpSpPr>
+      <p:grpSpPr>
+        <a:xfrm>
+          <a:off x="0" y="0"/>
+          <a:ext cx="0" cy="0"/>
+          <a:chOff x="0" y="0"/>
+          <a:chExt cx="0" cy="0"/>
+        </a:xfrm>
+      </p:grpSpPr>
+      <p:sp>
+        <p:nvSpPr>
+          <p:cNvPr id="2" name="Title 1">
+            <a:extLst>
+              <a:ext uri="{FF2B5EF4-FFF2-40B4-BE49-F238E27FC236}">
+                <a16:creationId xmlns:a16="http://schemas.microsoft.com/office/drawing/2014/main" id="{5476A369-FAAC-42D9-816B-83F23B1198B0}"/>
+              </a:ext>
+            </a:extLst>
+          </p:cNvPr>
+          <p:cNvSpPr>
+            <a:spLocks noGrp="1"/>
+          </p:cNvSpPr>
+          <p:nvPr>
+            <p:ph type="title"/>
+          </p:nvPr>
+        </p:nvSpPr>
+        <p:spPr/>
+        <p:txBody>
+          <a:bodyPr/>
+          <a:lstStyle/>
+          <a:p>
+            <a:r>
+              <a:rPr lang="es-CL" dirty="0"/>
+              <a:t>ObservableHQ</a:t>
+            </a:r>
+          </a:p>
+        </p:txBody>
+      </p:sp>
+      <p:sp>
+        <p:nvSpPr>
+          <p:cNvPr id="5" name="Content Placeholder 4">
+            <a:extLst>
+              <a:ext uri="{FF2B5EF4-FFF2-40B4-BE49-F238E27FC236}">
+                <a16:creationId xmlns:a16="http://schemas.microsoft.com/office/drawing/2014/main" id="{3930FBE7-85AE-4410-84E9-ABFC71185E31}"/>
+              </a:ext>
+            </a:extLst>
+          </p:cNvPr>
+          <p:cNvSpPr>
+            <a:spLocks noGrp="1"/>
+          </p:cNvSpPr>
+          <p:nvPr>
+            <p:ph idx="1"/>
+          </p:nvPr>
+        </p:nvSpPr>
+        <p:spPr>
+          <a:xfrm>
+            <a:off x="1097280" y="2834640"/>
+            <a:ext cx="10058400" cy="2387600"/>
+          </a:xfrm>
+        </p:spPr>
+        <p:txBody>
+          <a:bodyPr/>
+          <a:lstStyle/>
+          <a:p>
+            <a:pPr lvl="1">
+              <a:buFont typeface="Arial" panose="020B0604020202020204" pitchFamily="34" charset="0"/>
+              <a:buChar char="•"/>
+            </a:pPr>
+            <a:r>
+              <a:rPr lang="en-US" dirty="0"/>
+              <a:t>The magic notebook for visualization</a:t>
+            </a:r>
+          </a:p>
+          <a:p>
+            <a:pPr lvl="1">
+              <a:buFont typeface="Arial" panose="020B0604020202020204" pitchFamily="34" charset="0"/>
+              <a:buChar char="•"/>
+            </a:pPr>
+            <a:r>
+              <a:rPr lang="es-CL" dirty="0"/>
+              <a:t>Creado</a:t>
+            </a:r>
+            <a:r>
+              <a:rPr lang="en-US" dirty="0"/>
+              <a:t> por el </a:t>
+            </a:r>
+            <a:r>
+              <a:rPr lang="en-US" dirty="0" err="1"/>
+              <a:t>mismo</a:t>
+            </a:r>
+            <a:r>
+              <a:rPr lang="en-US" dirty="0"/>
+              <a:t> Mike Bostock, para </a:t>
+            </a:r>
+            <a:r>
+              <a:rPr lang="en-US" dirty="0" err="1"/>
+              <a:t>poder</a:t>
+            </a:r>
+            <a:r>
+              <a:rPr lang="en-US" dirty="0"/>
+              <a:t> </a:t>
+            </a:r>
+            <a:r>
+              <a:rPr lang="en-US" dirty="0" err="1"/>
+              <a:t>tener</a:t>
+            </a:r>
+            <a:r>
+              <a:rPr lang="en-US" dirty="0"/>
+              <a:t> una forma de </a:t>
+            </a:r>
+            <a:r>
+              <a:rPr lang="en-US" dirty="0" err="1"/>
+              <a:t>presentar</a:t>
+            </a:r>
+            <a:r>
+              <a:rPr lang="en-US" dirty="0"/>
+              <a:t> </a:t>
+            </a:r>
+            <a:r>
+              <a:rPr lang="en-US" dirty="0" err="1"/>
+              <a:t>facilemente</a:t>
+            </a:r>
+            <a:r>
+              <a:rPr lang="en-US" dirty="0"/>
+              <a:t> </a:t>
+            </a:r>
+            <a:r>
+              <a:rPr lang="en-US" dirty="0" err="1"/>
+              <a:t>trabajos</a:t>
+            </a:r>
+            <a:r>
+              <a:rPr lang="en-US" dirty="0"/>
+              <a:t> de </a:t>
+            </a:r>
+            <a:r>
+              <a:rPr lang="en-US" dirty="0" err="1"/>
+              <a:t>visualización</a:t>
+            </a:r>
+            <a:r>
+              <a:rPr lang="en-US" dirty="0"/>
+              <a:t> </a:t>
+            </a:r>
+            <a:r>
+              <a:rPr lang="en-US" dirty="0" err="1"/>
+              <a:t>realizados</a:t>
+            </a:r>
+            <a:r>
+              <a:rPr lang="en-US" dirty="0"/>
+              <a:t> con D3</a:t>
+            </a:r>
+          </a:p>
+          <a:p>
+            <a:pPr lvl="1">
+              <a:buFont typeface="Arial" panose="020B0604020202020204" pitchFamily="34" charset="0"/>
+              <a:buChar char="•"/>
+            </a:pPr>
+            <a:r>
+              <a:rPr lang="en-US" dirty="0" err="1"/>
+              <a:t>Equivalente</a:t>
+            </a:r>
+            <a:r>
+              <a:rPr lang="en-US" dirty="0"/>
+              <a:t> a Google Collab, </a:t>
+            </a:r>
+            <a:r>
+              <a:rPr lang="en-US" dirty="0" err="1"/>
+              <a:t>pero</a:t>
+            </a:r>
+            <a:r>
+              <a:rPr lang="en-US" dirty="0"/>
+              <a:t> para </a:t>
+            </a:r>
+            <a:r>
+              <a:rPr lang="en-US" dirty="0" err="1"/>
+              <a:t>javascript</a:t>
+            </a:r>
+            <a:r>
+              <a:rPr lang="en-US" dirty="0"/>
+              <a:t> y HTML</a:t>
+            </a:r>
+          </a:p>
+          <a:p>
+            <a:pPr lvl="1">
+              <a:buFont typeface="Arial" panose="020B0604020202020204" pitchFamily="34" charset="0"/>
+              <a:buChar char="•"/>
+            </a:pPr>
+            <a:endParaRPr lang="en-US" dirty="0"/>
+          </a:p>
+          <a:p>
+            <a:pPr marL="201168" lvl="1" indent="0">
+              <a:buNone/>
+            </a:pPr>
+            <a:r>
+              <a:rPr lang="en-US" dirty="0">
+                <a:hlinkClick r:id="rId2"/>
+              </a:rPr>
+              <a:t>https://observablehq.com/d/a2864056e1d0c91f</a:t>
+            </a:r>
+            <a:endParaRPr lang="es-CL" dirty="0"/>
+          </a:p>
+        </p:txBody>
+      </p:sp>
+    </p:spTree>
+    <p:extLst>
+      <p:ext uri="{BB962C8B-B14F-4D97-AF65-F5344CB8AC3E}">
+        <p14:creationId xmlns:p14="http://schemas.microsoft.com/office/powerpoint/2010/main" val="1779993284"/>
+      </p:ext>
+    </p:extLst>
+  </p:cSld>
+  <p:clrMapOvr>
+    <a:masterClrMapping/>
+  </p:clrMapOvr>
+  <p:timing>
+    <p:tnLst>
+      <p:par>
+        <p:cTn id="1" dur="indefinite" restart="never" nodeType="tmRoot">
+          <p:childTnLst>
+            <p:seq concurrent="1" nextAc="seek">
+              <p:cTn id="2" dur="indefinite" nodeType="mainSeq">
+                <p:childTnLst>
+                  <p:par>
+                    <p:cTn id="3" fill="hold">
+                      <p:stCondLst>
+                        <p:cond delay="indefinite"/>
+                      </p:stCondLst>
+                      <p:childTnLst>
+                        <p:par>
+                          <p:cTn id="4" fill="hold">
+                            <p:stCondLst>
+                              <p:cond delay="0"/>
+                            </p:stCondLst>
+                            <p:childTnLst>
+                              <p:par>
+                                <p:cTn id="5" presetID="1" presetClass="entr" presetSubtype="0" fill="hold" grpId="0" nodeType="clickEffect">
+                                  <p:stCondLst>
+                                    <p:cond delay="0"/>
+                                  </p:stCondLst>
+                                  <p:childTnLst>
+                                    <p:set>
+                                      <p:cBhvr>
+                                        <p:cTn id="6" dur="1" fill="hold">
+                                          <p:stCondLst>
+                                            <p:cond delay="0"/>
+                                          </p:stCondLst>
+                                        </p:cTn>
+                                        <p:tgtEl>
+                                          <p:spTgt spid="5">
+                                            <p:txEl>
+                                              <p:pRg st="0" end="0"/>
+                                            </p:txEl>
+                                          </p:spTgt>
+                                        </p:tgtEl>
+                                        <p:attrNameLst>
+                                          <p:attrName>style.visibility</p:attrName>
+                                        </p:attrNameLst>
+                                      </p:cBhvr>
+                                      <p:to>
+                                        <p:strVal val="visible"/>
+                                      </p:to>
+                                    </p:set>
+                                  </p:childTnLst>
+                                </p:cTn>
+                              </p:par>
+                            </p:childTnLst>
+                          </p:cTn>
+                        </p:par>
+                      </p:childTnLst>
+                    </p:cTn>
+                  </p:par>
+                  <p:par>
+                    <p:cTn id="7" fill="hold">
+                      <p:stCondLst>
+                        <p:cond delay="indefinite"/>
+                      </p:stCondLst>
+                      <p:childTnLst>
+                        <p:par>
+                          <p:cTn id="8" fill="hold">
+                            <p:stCondLst>
+                              <p:cond delay="0"/>
+                            </p:stCondLst>
+                            <p:childTnLst>
+                              <p:par>
+                                <p:cTn id="9" presetID="1" presetClass="entr" presetSubtype="0" fill="hold" nodeType="clickEffect">
+                                  <p:stCondLst>
+                                    <p:cond delay="0"/>
+                                  </p:stCondLst>
+                                  <p:childTnLst>
+                                    <p:set>
+                                      <p:cBhvr>
+                                        <p:cTn id="10" dur="1" fill="hold">
+                                          <p:stCondLst>
+                                            <p:cond delay="0"/>
+                                          </p:stCondLst>
+                                        </p:cTn>
+                                        <p:tgtEl>
+                                          <p:spTgt spid="5">
+                                            <p:txEl>
+                                              <p:pRg st="1" end="1"/>
+                                            </p:txEl>
+                                          </p:spTgt>
+                                        </p:tgtEl>
+                                        <p:attrNameLst>
+                                          <p:attrName>style.visibility</p:attrName>
+                                        </p:attrNameLst>
+                                      </p:cBhvr>
+                                      <p:to>
+                                        <p:strVal val="visible"/>
+                                      </p:to>
+                                    </p:set>
+                                  </p:childTnLst>
+                                </p:cTn>
+                              </p:par>
+                            </p:childTnLst>
+                          </p:cTn>
+                        </p:par>
+                      </p:childTnLst>
+                    </p:cTn>
+                  </p:par>
+                  <p:par>
+                    <p:cTn id="11" fill="hold">
+                      <p:stCondLst>
+                        <p:cond delay="indefinite"/>
+                      </p:stCondLst>
+                      <p:childTnLst>
+                        <p:par>
+                          <p:cTn id="12" fill="hold">
+                            <p:stCondLst>
+                              <p:cond delay="0"/>
+                            </p:stCondLst>
+                            <p:childTnLst>
+                              <p:par>
+                                <p:cTn id="13" presetID="1" presetClass="entr" presetSubtype="0" fill="hold" nodeType="clickEffect">
+                                  <p:stCondLst>
+                                    <p:cond delay="0"/>
+                                  </p:stCondLst>
+                                  <p:childTnLst>
+                                    <p:set>
+                                      <p:cBhvr>
+                                        <p:cTn id="14" dur="1" fill="hold">
+                                          <p:stCondLst>
+                                            <p:cond delay="0"/>
+                                          </p:stCondLst>
+                                        </p:cTn>
+                                        <p:tgtEl>
+                                          <p:spTgt spid="5">
+                                            <p:txEl>
+                                              <p:pRg st="2" end="2"/>
+                                            </p:txEl>
+                                          </p:spTgt>
+                                        </p:tgtEl>
+                                        <p:attrNameLst>
+                                          <p:attrName>style.visibility</p:attrName>
+                                        </p:attrNameLst>
+                                      </p:cBhvr>
+                                      <p:to>
+                                        <p:strVal val="visible"/>
+                                      </p:to>
+                                    </p:set>
+                                  </p:childTnLst>
+                                </p:cTn>
+                              </p:par>
+                            </p:childTnLst>
+                          </p:cTn>
+                        </p:par>
+                      </p:childTnLst>
+                    </p:cTn>
+                  </p:par>
+                  <p:par>
+                    <p:cTn id="15" fill="hold">
+                      <p:stCondLst>
+                        <p:cond delay="indefinite"/>
+                      </p:stCondLst>
+                      <p:childTnLst>
+                        <p:par>
+                          <p:cTn id="16" fill="hold">
+                            <p:stCondLst>
+                              <p:cond delay="0"/>
+                            </p:stCondLst>
+                            <p:childTnLst>
+                              <p:par>
+                                <p:cTn id="17" presetID="1" presetClass="entr" presetSubtype="0" fill="hold" nodeType="clickEffect">
+                                  <p:stCondLst>
+                                    <p:cond delay="0"/>
+                                  </p:stCondLst>
+                                  <p:childTnLst>
+                                    <p:set>
+                                      <p:cBhvr>
+                                        <p:cTn id="18" dur="1" fill="hold">
+                                          <p:stCondLst>
+                                            <p:cond delay="0"/>
+                                          </p:stCondLst>
+                                        </p:cTn>
+                                        <p:tgtEl>
+                                          <p:spTgt spid="5">
+                                            <p:txEl>
+                                              <p:pRg st="4" end="4"/>
+                                            </p:txEl>
+                                          </p:spTgt>
+                                        </p:tgtEl>
+                                        <p:attrNameLst>
+                                          <p:attrName>style.visibility</p:attrName>
+                                        </p:attrNameLst>
+                                      </p:cBhvr>
+                                      <p:to>
+                                        <p:strVal val="visible"/>
+                                      </p:to>
+                                    </p:set>
+                                  </p:childTnLst>
+                                </p:cTn>
+                              </p:par>
+                            </p:childTnLst>
+                          </p:cTn>
+                        </p:par>
+                      </p:childTnLst>
+                    </p:cTn>
+                  </p:par>
+                </p:childTnLst>
+              </p:cTn>
+              <p:prevCondLst>
+                <p:cond evt="onPrev" delay="0">
+                  <p:tgtEl>
+                    <p:sldTgt/>
+                  </p:tgtEl>
+                </p:cond>
+              </p:prevCondLst>
+              <p:nextCondLst>
+                <p:cond evt="onNext" delay="0">
+                  <p:tgtEl>
+                    <p:sldTgt/>
+                  </p:tgtEl>
+                </p:cond>
+              </p:nextCondLst>
+            </p:seq>
+          </p:childTnLst>
+        </p:cTn>
+      </p:par>
+    </p:tnLst>
+    <p:bldLst>
+      <p:bldP spid="5" grpId="0" uiExpand="1" build="p"/>
+    </p:bldLst>
+  </p:timing>
+</p:sld>
+</file>
+
 <file path=ppt/theme/theme1.xml><?xml version="1.0" encoding="utf-8"?>
 <a:theme xmlns:a="http://schemas.openxmlformats.org/drawingml/2006/main" name="Retrospect">
   <a:themeElements>
